--- a/AWS_architect.pptx
+++ b/AWS_architect.pptx
@@ -259,7 +259,7 @@
           <a:p>
             <a:fld id="{D6A64239-A41C-4E2D-B78B-CC309741CE54}" type="datetimeFigureOut">
               <a:rPr lang="en-US" smtClean="0"/>
-              <a:t>9/24/2020</a:t>
+              <a:t>11/16/2020</a:t>
             </a:fld>
             <a:endParaRPr lang="en-US"/>
           </a:p>
@@ -457,7 +457,7 @@
           <a:p>
             <a:fld id="{D6A64239-A41C-4E2D-B78B-CC309741CE54}" type="datetimeFigureOut">
               <a:rPr lang="en-US" smtClean="0"/>
-              <a:t>9/24/2020</a:t>
+              <a:t>11/16/2020</a:t>
             </a:fld>
             <a:endParaRPr lang="en-US"/>
           </a:p>
@@ -665,7 +665,7 @@
           <a:p>
             <a:fld id="{D6A64239-A41C-4E2D-B78B-CC309741CE54}" type="datetimeFigureOut">
               <a:rPr lang="en-US" smtClean="0"/>
-              <a:t>9/24/2020</a:t>
+              <a:t>11/16/2020</a:t>
             </a:fld>
             <a:endParaRPr lang="en-US"/>
           </a:p>
@@ -863,7 +863,7 @@
           <a:p>
             <a:fld id="{D6A64239-A41C-4E2D-B78B-CC309741CE54}" type="datetimeFigureOut">
               <a:rPr lang="en-US" smtClean="0"/>
-              <a:t>9/24/2020</a:t>
+              <a:t>11/16/2020</a:t>
             </a:fld>
             <a:endParaRPr lang="en-US"/>
           </a:p>
@@ -1138,7 +1138,7 @@
           <a:p>
             <a:fld id="{D6A64239-A41C-4E2D-B78B-CC309741CE54}" type="datetimeFigureOut">
               <a:rPr lang="en-US" smtClean="0"/>
-              <a:t>9/24/2020</a:t>
+              <a:t>11/16/2020</a:t>
             </a:fld>
             <a:endParaRPr lang="en-US"/>
           </a:p>
@@ -1403,7 +1403,7 @@
           <a:p>
             <a:fld id="{D6A64239-A41C-4E2D-B78B-CC309741CE54}" type="datetimeFigureOut">
               <a:rPr lang="en-US" smtClean="0"/>
-              <a:t>9/24/2020</a:t>
+              <a:t>11/16/2020</a:t>
             </a:fld>
             <a:endParaRPr lang="en-US"/>
           </a:p>
@@ -1815,7 +1815,7 @@
           <a:p>
             <a:fld id="{D6A64239-A41C-4E2D-B78B-CC309741CE54}" type="datetimeFigureOut">
               <a:rPr lang="en-US" smtClean="0"/>
-              <a:t>9/24/2020</a:t>
+              <a:t>11/16/2020</a:t>
             </a:fld>
             <a:endParaRPr lang="en-US"/>
           </a:p>
@@ -1956,7 +1956,7 @@
           <a:p>
             <a:fld id="{D6A64239-A41C-4E2D-B78B-CC309741CE54}" type="datetimeFigureOut">
               <a:rPr lang="en-US" smtClean="0"/>
-              <a:t>9/24/2020</a:t>
+              <a:t>11/16/2020</a:t>
             </a:fld>
             <a:endParaRPr lang="en-US"/>
           </a:p>
@@ -2069,7 +2069,7 @@
           <a:p>
             <a:fld id="{D6A64239-A41C-4E2D-B78B-CC309741CE54}" type="datetimeFigureOut">
               <a:rPr lang="en-US" smtClean="0"/>
-              <a:t>9/24/2020</a:t>
+              <a:t>11/16/2020</a:t>
             </a:fld>
             <a:endParaRPr lang="en-US"/>
           </a:p>
@@ -2380,7 +2380,7 @@
           <a:p>
             <a:fld id="{D6A64239-A41C-4E2D-B78B-CC309741CE54}" type="datetimeFigureOut">
               <a:rPr lang="en-US" smtClean="0"/>
-              <a:t>9/24/2020</a:t>
+              <a:t>11/16/2020</a:t>
             </a:fld>
             <a:endParaRPr lang="en-US"/>
           </a:p>
@@ -2668,7 +2668,7 @@
           <a:p>
             <a:fld id="{D6A64239-A41C-4E2D-B78B-CC309741CE54}" type="datetimeFigureOut">
               <a:rPr lang="en-US" smtClean="0"/>
-              <a:t>9/24/2020</a:t>
+              <a:t>11/16/2020</a:t>
             </a:fld>
             <a:endParaRPr lang="en-US"/>
           </a:p>
@@ -2909,7 +2909,7 @@
           <a:p>
             <a:fld id="{D6A64239-A41C-4E2D-B78B-CC309741CE54}" type="datetimeFigureOut">
               <a:rPr lang="en-US" smtClean="0"/>
-              <a:t>9/24/2020</a:t>
+              <a:t>11/16/2020</a:t>
             </a:fld>
             <a:endParaRPr lang="en-US"/>
           </a:p>
@@ -3653,7 +3653,7 @@
               </a:br>
               <a:r>
                 <a:rPr lang="en-US" sz="800" b="1" spc="-50" dirty="0"/>
-                <a:t>instance standby (multi-AZ)</a:t>
+                <a:t>instance replica (multi-AZ)</a:t>
               </a:r>
               <a:endParaRPr lang="en-US" sz="1400" b="1" spc="-50" dirty="0"/>
             </a:p>
